--- a/幸福.pptx
+++ b/幸福.pptx
@@ -11,7 +11,7 @@
     <p:sldId id="259" r:id="rId5"/>
     <p:sldId id="260" r:id="rId6"/>
   </p:sldIdLst>
-  <p:sldSz cx="9144000" cy="6858000" type="screen4x3"/>
+  <p:sldSz cx="9144000" cy="5143500" type="screen16x9"/>
   <p:notesSz cx="6858000" cy="9144000"/>
   <p:defaultTextStyle>
     <a:defPPr>
@@ -140,8 +140,8 @@
         </p:nvSpPr>
         <p:spPr>
           <a:xfrm>
-            <a:off x="685800" y="2130425"/>
-            <a:ext cx="7772400" cy="1470025"/>
+            <a:off x="685800" y="1597819"/>
+            <a:ext cx="7772400" cy="1102519"/>
           </a:xfrm>
         </p:spPr>
         <p:txBody>
@@ -168,8 +168,8 @@
         </p:nvSpPr>
         <p:spPr>
           <a:xfrm>
-            <a:off x="1371600" y="3886200"/>
-            <a:ext cx="6400800" cy="1752600"/>
+            <a:off x="1371600" y="2914650"/>
+            <a:ext cx="6400800" cy="1314450"/>
           </a:xfrm>
         </p:spPr>
         <p:txBody>
@@ -292,7 +292,7 @@
           <a:p>
             <a:fld id="{3B94762A-6A7A-4E51-BCDF-4BDCC6F57EA6}" type="datetimeFigureOut">
               <a:rPr lang="zh-TW" altLang="en-US" smtClean="0"/>
-              <a:t>2018/11/24</a:t>
+              <a:t>2019/10/10</a:t>
             </a:fld>
             <a:endParaRPr lang="zh-TW" altLang="en-US"/>
           </a:p>
@@ -457,7 +457,7 @@
           <a:p>
             <a:fld id="{3B94762A-6A7A-4E51-BCDF-4BDCC6F57EA6}" type="datetimeFigureOut">
               <a:rPr lang="zh-TW" altLang="en-US" smtClean="0"/>
-              <a:t>2018/11/24</a:t>
+              <a:t>2019/10/10</a:t>
             </a:fld>
             <a:endParaRPr lang="zh-TW" altLang="en-US"/>
           </a:p>
@@ -542,8 +542,8 @@
         </p:nvSpPr>
         <p:spPr>
           <a:xfrm>
-            <a:off x="6629400" y="274638"/>
-            <a:ext cx="2057400" cy="5851525"/>
+            <a:off x="6629400" y="205979"/>
+            <a:ext cx="2057400" cy="4388644"/>
           </a:xfrm>
         </p:spPr>
         <p:txBody>
@@ -570,8 +570,8 @@
         </p:nvSpPr>
         <p:spPr>
           <a:xfrm>
-            <a:off x="457200" y="274638"/>
-            <a:ext cx="6019800" cy="5851525"/>
+            <a:off x="457200" y="205979"/>
+            <a:ext cx="6019800" cy="4388644"/>
           </a:xfrm>
         </p:spPr>
         <p:txBody>
@@ -632,7 +632,7 @@
           <a:p>
             <a:fld id="{3B94762A-6A7A-4E51-BCDF-4BDCC6F57EA6}" type="datetimeFigureOut">
               <a:rPr lang="zh-TW" altLang="en-US" smtClean="0"/>
-              <a:t>2018/11/24</a:t>
+              <a:t>2019/10/10</a:t>
             </a:fld>
             <a:endParaRPr lang="zh-TW" altLang="en-US"/>
           </a:p>
@@ -797,7 +797,7 @@
           <a:p>
             <a:fld id="{3B94762A-6A7A-4E51-BCDF-4BDCC6F57EA6}" type="datetimeFigureOut">
               <a:rPr lang="zh-TW" altLang="en-US" smtClean="0"/>
-              <a:t>2018/11/24</a:t>
+              <a:t>2019/10/10</a:t>
             </a:fld>
             <a:endParaRPr lang="zh-TW" altLang="en-US"/>
           </a:p>
@@ -882,8 +882,8 @@
         </p:nvSpPr>
         <p:spPr>
           <a:xfrm>
-            <a:off x="722313" y="4406900"/>
-            <a:ext cx="7772400" cy="1362075"/>
+            <a:off x="722313" y="3305176"/>
+            <a:ext cx="7772400" cy="1021556"/>
           </a:xfrm>
         </p:spPr>
         <p:txBody>
@@ -914,8 +914,8 @@
         </p:nvSpPr>
         <p:spPr>
           <a:xfrm>
-            <a:off x="722313" y="2906713"/>
-            <a:ext cx="7772400" cy="1500187"/>
+            <a:off x="722313" y="2180035"/>
+            <a:ext cx="7772400" cy="1125140"/>
           </a:xfrm>
         </p:spPr>
         <p:txBody>
@@ -1038,7 +1038,7 @@
           <a:p>
             <a:fld id="{3B94762A-6A7A-4E51-BCDF-4BDCC6F57EA6}" type="datetimeFigureOut">
               <a:rPr lang="zh-TW" altLang="en-US" smtClean="0"/>
-              <a:t>2018/11/24</a:t>
+              <a:t>2019/10/10</a:t>
             </a:fld>
             <a:endParaRPr lang="zh-TW" altLang="en-US"/>
           </a:p>
@@ -1146,8 +1146,8 @@
         </p:nvSpPr>
         <p:spPr>
           <a:xfrm>
-            <a:off x="457200" y="1600200"/>
-            <a:ext cx="4038600" cy="4525963"/>
+            <a:off x="457200" y="1200151"/>
+            <a:ext cx="4038600" cy="3394472"/>
           </a:xfrm>
         </p:spPr>
         <p:txBody>
@@ -1231,8 +1231,8 @@
         </p:nvSpPr>
         <p:spPr>
           <a:xfrm>
-            <a:off x="4648200" y="1600200"/>
-            <a:ext cx="4038600" cy="4525963"/>
+            <a:off x="4648200" y="1200151"/>
+            <a:ext cx="4038600" cy="3394472"/>
           </a:xfrm>
         </p:spPr>
         <p:txBody>
@@ -1321,7 +1321,7 @@
           <a:p>
             <a:fld id="{3B94762A-6A7A-4E51-BCDF-4BDCC6F57EA6}" type="datetimeFigureOut">
               <a:rPr lang="zh-TW" altLang="en-US" smtClean="0"/>
-              <a:t>2018/11/24</a:t>
+              <a:t>2019/10/10</a:t>
             </a:fld>
             <a:endParaRPr lang="zh-TW" altLang="en-US"/>
           </a:p>
@@ -1433,8 +1433,8 @@
         </p:nvSpPr>
         <p:spPr>
           <a:xfrm>
-            <a:off x="457200" y="1535113"/>
-            <a:ext cx="4040188" cy="639762"/>
+            <a:off x="457200" y="1151335"/>
+            <a:ext cx="4040188" cy="479822"/>
           </a:xfrm>
         </p:spPr>
         <p:txBody>
@@ -1498,8 +1498,8 @@
         </p:nvSpPr>
         <p:spPr>
           <a:xfrm>
-            <a:off x="457200" y="2174875"/>
-            <a:ext cx="4040188" cy="3951288"/>
+            <a:off x="457200" y="1631156"/>
+            <a:ext cx="4040188" cy="2963466"/>
           </a:xfrm>
         </p:spPr>
         <p:txBody>
@@ -1583,8 +1583,8 @@
         </p:nvSpPr>
         <p:spPr>
           <a:xfrm>
-            <a:off x="4645025" y="1535113"/>
-            <a:ext cx="4041775" cy="639762"/>
+            <a:off x="4645026" y="1151335"/>
+            <a:ext cx="4041775" cy="479822"/>
           </a:xfrm>
         </p:spPr>
         <p:txBody>
@@ -1648,8 +1648,8 @@
         </p:nvSpPr>
         <p:spPr>
           <a:xfrm>
-            <a:off x="4645025" y="2174875"/>
-            <a:ext cx="4041775" cy="3951288"/>
+            <a:off x="4645026" y="1631156"/>
+            <a:ext cx="4041775" cy="2963466"/>
           </a:xfrm>
         </p:spPr>
         <p:txBody>
@@ -1738,7 +1738,7 @@
           <a:p>
             <a:fld id="{3B94762A-6A7A-4E51-BCDF-4BDCC6F57EA6}" type="datetimeFigureOut">
               <a:rPr lang="zh-TW" altLang="en-US" smtClean="0"/>
-              <a:t>2018/11/24</a:t>
+              <a:t>2019/10/10</a:t>
             </a:fld>
             <a:endParaRPr lang="zh-TW" altLang="en-US"/>
           </a:p>
@@ -1851,7 +1851,7 @@
           <a:p>
             <a:fld id="{3B94762A-6A7A-4E51-BCDF-4BDCC6F57EA6}" type="datetimeFigureOut">
               <a:rPr lang="zh-TW" altLang="en-US" smtClean="0"/>
-              <a:t>2018/11/24</a:t>
+              <a:t>2019/10/10</a:t>
             </a:fld>
             <a:endParaRPr lang="zh-TW" altLang="en-US"/>
           </a:p>
@@ -1941,7 +1941,7 @@
           <a:p>
             <a:fld id="{3B94762A-6A7A-4E51-BCDF-4BDCC6F57EA6}" type="datetimeFigureOut">
               <a:rPr lang="zh-TW" altLang="en-US" smtClean="0"/>
-              <a:t>2018/11/24</a:t>
+              <a:t>2019/10/10</a:t>
             </a:fld>
             <a:endParaRPr lang="zh-TW" altLang="en-US"/>
           </a:p>
@@ -2026,8 +2026,8 @@
         </p:nvSpPr>
         <p:spPr>
           <a:xfrm>
-            <a:off x="457200" y="273050"/>
-            <a:ext cx="3008313" cy="1162050"/>
+            <a:off x="457201" y="204787"/>
+            <a:ext cx="3008313" cy="871538"/>
           </a:xfrm>
         </p:spPr>
         <p:txBody>
@@ -2058,8 +2058,8 @@
         </p:nvSpPr>
         <p:spPr>
           <a:xfrm>
-            <a:off x="3575050" y="273050"/>
-            <a:ext cx="5111750" cy="5853113"/>
+            <a:off x="3575050" y="204788"/>
+            <a:ext cx="5111750" cy="4389835"/>
           </a:xfrm>
         </p:spPr>
         <p:txBody>
@@ -2143,8 +2143,8 @@
         </p:nvSpPr>
         <p:spPr>
           <a:xfrm>
-            <a:off x="457200" y="1435100"/>
-            <a:ext cx="3008313" cy="4691063"/>
+            <a:off x="457201" y="1076326"/>
+            <a:ext cx="3008313" cy="3518297"/>
           </a:xfrm>
         </p:spPr>
         <p:txBody>
@@ -2213,7 +2213,7 @@
           <a:p>
             <a:fld id="{3B94762A-6A7A-4E51-BCDF-4BDCC6F57EA6}" type="datetimeFigureOut">
               <a:rPr lang="zh-TW" altLang="en-US" smtClean="0"/>
-              <a:t>2018/11/24</a:t>
+              <a:t>2019/10/10</a:t>
             </a:fld>
             <a:endParaRPr lang="zh-TW" altLang="en-US"/>
           </a:p>
@@ -2298,8 +2298,8 @@
         </p:nvSpPr>
         <p:spPr>
           <a:xfrm>
-            <a:off x="1792288" y="4800600"/>
-            <a:ext cx="5486400" cy="566738"/>
+            <a:off x="1792288" y="3600450"/>
+            <a:ext cx="5486400" cy="425054"/>
           </a:xfrm>
         </p:spPr>
         <p:txBody>
@@ -2330,8 +2330,8 @@
         </p:nvSpPr>
         <p:spPr>
           <a:xfrm>
-            <a:off x="1792288" y="612775"/>
-            <a:ext cx="5486400" cy="4114800"/>
+            <a:off x="1792288" y="459581"/>
+            <a:ext cx="5486400" cy="3086100"/>
           </a:xfrm>
         </p:spPr>
         <p:txBody>
@@ -2395,8 +2395,8 @@
         </p:nvSpPr>
         <p:spPr>
           <a:xfrm>
-            <a:off x="1792288" y="5367338"/>
-            <a:ext cx="5486400" cy="804862"/>
+            <a:off x="1792288" y="4025503"/>
+            <a:ext cx="5486400" cy="603647"/>
           </a:xfrm>
         </p:spPr>
         <p:txBody>
@@ -2465,7 +2465,7 @@
           <a:p>
             <a:fld id="{3B94762A-6A7A-4E51-BCDF-4BDCC6F57EA6}" type="datetimeFigureOut">
               <a:rPr lang="zh-TW" altLang="en-US" smtClean="0"/>
-              <a:t>2018/11/24</a:t>
+              <a:t>2019/10/10</a:t>
             </a:fld>
             <a:endParaRPr lang="zh-TW" altLang="en-US"/>
           </a:p>
@@ -2560,8 +2560,8 @@
         </p:nvSpPr>
         <p:spPr>
           <a:xfrm>
-            <a:off x="457200" y="274638"/>
-            <a:ext cx="8229600" cy="1143000"/>
+            <a:off x="457200" y="205979"/>
+            <a:ext cx="8229600" cy="857250"/>
           </a:xfrm>
           <a:prstGeom prst="rect">
             <a:avLst/>
@@ -2593,8 +2593,8 @@
         </p:nvSpPr>
         <p:spPr>
           <a:xfrm>
-            <a:off x="457200" y="1600200"/>
-            <a:ext cx="8229600" cy="4525963"/>
+            <a:off x="457200" y="1200151"/>
+            <a:ext cx="8229600" cy="3394472"/>
           </a:xfrm>
           <a:prstGeom prst="rect">
             <a:avLst/>
@@ -2655,8 +2655,8 @@
         </p:nvSpPr>
         <p:spPr>
           <a:xfrm>
-            <a:off x="457200" y="6356350"/>
-            <a:ext cx="2133600" cy="365125"/>
+            <a:off x="457200" y="4767263"/>
+            <a:ext cx="2133600" cy="273844"/>
           </a:xfrm>
           <a:prstGeom prst="rect">
             <a:avLst/>
@@ -2678,7 +2678,7 @@
           <a:p>
             <a:fld id="{3B94762A-6A7A-4E51-BCDF-4BDCC6F57EA6}" type="datetimeFigureOut">
               <a:rPr lang="zh-TW" altLang="en-US" smtClean="0"/>
-              <a:t>2018/11/24</a:t>
+              <a:t>2019/10/10</a:t>
             </a:fld>
             <a:endParaRPr lang="zh-TW" altLang="en-US"/>
           </a:p>
@@ -2696,8 +2696,8 @@
         </p:nvSpPr>
         <p:spPr>
           <a:xfrm>
-            <a:off x="3124200" y="6356350"/>
-            <a:ext cx="2895600" cy="365125"/>
+            <a:off x="3124200" y="4767263"/>
+            <a:ext cx="2895600" cy="273844"/>
           </a:xfrm>
           <a:prstGeom prst="rect">
             <a:avLst/>
@@ -2733,8 +2733,8 @@
         </p:nvSpPr>
         <p:spPr>
           <a:xfrm>
-            <a:off x="6553200" y="6356350"/>
-            <a:ext cx="2133600" cy="365125"/>
+            <a:off x="6553200" y="4767263"/>
+            <a:ext cx="2133600" cy="273844"/>
           </a:xfrm>
           <a:prstGeom prst="rect">
             <a:avLst/>
@@ -3060,11 +3060,13 @@
         </p:nvSpPr>
         <p:spPr/>
         <p:txBody>
-          <a:bodyPr/>
-          <a:lstStyle/>
-          <a:p>
-            <a:r>
-              <a:rPr lang="zh-TW" altLang="en-US" b="1" dirty="0" smtClean="0">
+          <a:bodyPr>
+            <a:normAutofit/>
+          </a:bodyPr>
+          <a:lstStyle/>
+          <a:p>
+            <a:r>
+              <a:rPr lang="zh-TW" altLang="en-US" sz="4000" b="1" dirty="0" smtClean="0">
                 <a:solidFill>
                   <a:srgbClr val="660033"/>
                 </a:solidFill>
@@ -3073,7 +3075,7 @@
               </a:rPr>
               <a:t>幸福</a:t>
             </a:r>
-            <a:endParaRPr lang="zh-TW" altLang="en-US" b="1" dirty="0">
+            <a:endParaRPr lang="zh-TW" altLang="en-US" sz="4000" b="1" dirty="0">
               <a:solidFill>
                 <a:srgbClr val="660033"/>
               </a:solidFill>
@@ -3096,7 +3098,7 @@
         <p:spPr/>
         <p:txBody>
           <a:bodyPr>
-            <a:normAutofit/>
+            <a:noAutofit/>
           </a:bodyPr>
           <a:lstStyle/>
           <a:p>
@@ -3104,7 +3106,7 @@
               <a:buNone/>
             </a:pPr>
             <a:r>
-              <a:rPr lang="zh-TW" altLang="en-US" sz="5400" b="1" dirty="0">
+              <a:rPr lang="zh-TW" altLang="en-US" sz="4800" b="1" dirty="0">
                 <a:solidFill>
                   <a:srgbClr val="660033"/>
                 </a:solidFill>
@@ -3114,7 +3116,7 @@
               <a:t>想像中有一個幸福</a:t>
             </a:r>
             <a:r>
-              <a:rPr lang="zh-TW" altLang="en-US" sz="5400" b="1" dirty="0" smtClean="0">
+              <a:rPr lang="zh-TW" altLang="en-US" sz="4800" b="1" dirty="0" smtClean="0">
                 <a:solidFill>
                   <a:srgbClr val="660033"/>
                 </a:solidFill>
@@ -3123,7 +3125,7 @@
               </a:rPr>
               <a:t>天地</a:t>
             </a:r>
-            <a:endParaRPr lang="en-US" altLang="zh-TW" sz="5400" b="1" dirty="0">
+            <a:endParaRPr lang="en-US" altLang="zh-TW" sz="4800" b="1" dirty="0">
               <a:solidFill>
                 <a:srgbClr val="660033"/>
               </a:solidFill>
@@ -3136,7 +3138,7 @@
               <a:buNone/>
             </a:pPr>
             <a:r>
-              <a:rPr lang="zh-TW" altLang="en-US" sz="5400" b="1" dirty="0" smtClean="0">
+              <a:rPr lang="zh-TW" altLang="en-US" sz="4800" b="1" dirty="0" smtClean="0">
                 <a:solidFill>
                   <a:srgbClr val="660033"/>
                 </a:solidFill>
@@ -3146,7 +3148,7 @@
               <a:t>分</a:t>
             </a:r>
             <a:r>
-              <a:rPr lang="zh-TW" altLang="en-US" sz="5400" b="1" dirty="0">
+              <a:rPr lang="zh-TW" altLang="en-US" sz="4800" b="1" dirty="0">
                 <a:solidFill>
                   <a:srgbClr val="660033"/>
                 </a:solidFill>
@@ -3156,7 +3158,7 @@
               <a:t>分秒秒踩在雲端</a:t>
             </a:r>
             <a:r>
-              <a:rPr lang="zh-TW" altLang="en-US" sz="5400" b="1" dirty="0" smtClean="0">
+              <a:rPr lang="zh-TW" altLang="en-US" sz="4800" b="1" dirty="0" smtClean="0">
                 <a:solidFill>
                   <a:srgbClr val="660033"/>
                 </a:solidFill>
@@ -3165,7 +3167,7 @@
               </a:rPr>
               <a:t>裡</a:t>
             </a:r>
-            <a:endParaRPr lang="en-US" altLang="zh-TW" sz="5400" b="1" dirty="0">
+            <a:endParaRPr lang="en-US" altLang="zh-TW" sz="4800" b="1" dirty="0">
               <a:solidFill>
                 <a:srgbClr val="660033"/>
               </a:solidFill>
@@ -3178,7 +3180,7 @@
               <a:buNone/>
             </a:pPr>
             <a:r>
-              <a:rPr lang="zh-TW" altLang="en-US" sz="5400" b="1" dirty="0" smtClean="0">
+              <a:rPr lang="zh-TW" altLang="en-US" sz="4800" b="1" dirty="0" smtClean="0">
                 <a:solidFill>
                   <a:srgbClr val="660033"/>
                 </a:solidFill>
@@ -3188,7 +3190,7 @@
               <a:t>好像</a:t>
             </a:r>
             <a:r>
-              <a:rPr lang="zh-TW" altLang="en-US" sz="5400" b="1" dirty="0">
+              <a:rPr lang="zh-TW" altLang="en-US" sz="4800" b="1" dirty="0">
                 <a:solidFill>
                   <a:srgbClr val="660033"/>
                 </a:solidFill>
@@ -3198,7 +3200,7 @@
               <a:t>幸福只</a:t>
             </a:r>
             <a:r>
-              <a:rPr lang="zh-TW" altLang="en-US" sz="5400" b="1" dirty="0" smtClean="0">
+              <a:rPr lang="zh-TW" altLang="en-US" sz="4800" b="1" dirty="0" smtClean="0">
                 <a:solidFill>
                   <a:srgbClr val="660033"/>
                 </a:solidFill>
@@ -3207,7 +3209,7 @@
               </a:rPr>
               <a:t>存在</a:t>
             </a:r>
-            <a:endParaRPr lang="en-US" altLang="zh-TW" sz="5400" b="1" dirty="0" smtClean="0">
+            <a:endParaRPr lang="en-US" altLang="zh-TW" sz="4800" b="1" dirty="0" smtClean="0">
               <a:solidFill>
                 <a:srgbClr val="660033"/>
               </a:solidFill>
@@ -3220,7 +3222,7 @@
               <a:buNone/>
             </a:pPr>
             <a:r>
-              <a:rPr lang="zh-TW" altLang="en-US" sz="5400" b="1" dirty="0" smtClean="0">
+              <a:rPr lang="zh-TW" altLang="en-US" sz="4800" b="1" dirty="0" smtClean="0">
                 <a:solidFill>
                   <a:srgbClr val="660033"/>
                 </a:solidFill>
@@ -3229,7 +3231,7 @@
               </a:rPr>
               <a:t>童話故事裡</a:t>
             </a:r>
-            <a:endParaRPr lang="zh-TW" altLang="en-US" sz="5400" b="1" dirty="0">
+            <a:endParaRPr lang="zh-TW" altLang="en-US" sz="4800" b="1" dirty="0">
               <a:solidFill>
                 <a:srgbClr val="660033"/>
               </a:solidFill>
@@ -3276,11 +3278,13 @@
         </p:nvSpPr>
         <p:spPr/>
         <p:txBody>
-          <a:bodyPr/>
-          <a:lstStyle/>
-          <a:p>
-            <a:r>
-              <a:rPr lang="zh-TW" altLang="en-US" b="1" dirty="0" smtClean="0">
+          <a:bodyPr>
+            <a:normAutofit/>
+          </a:bodyPr>
+          <a:lstStyle/>
+          <a:p>
+            <a:r>
+              <a:rPr lang="zh-TW" altLang="en-US" sz="4000" b="1" dirty="0">
                 <a:solidFill>
                   <a:srgbClr val="660033"/>
                 </a:solidFill>
@@ -3289,7 +3293,7 @@
               </a:rPr>
               <a:t>幸福</a:t>
             </a:r>
-            <a:endParaRPr lang="zh-TW" altLang="en-US" b="1" dirty="0">
+            <a:endParaRPr lang="zh-TW" altLang="en-US" sz="4000" b="1" dirty="0">
               <a:solidFill>
                 <a:srgbClr val="660033"/>
               </a:solidFill>
@@ -3320,7 +3324,7 @@
               <a:buNone/>
             </a:pPr>
             <a:r>
-              <a:rPr lang="zh-TW" altLang="en-US" sz="5400" b="1" dirty="0" smtClean="0">
+              <a:rPr lang="zh-TW" altLang="en-US" sz="4800" b="1" dirty="0">
                 <a:solidFill>
                   <a:srgbClr val="660033"/>
                 </a:solidFill>
@@ -3329,7 +3333,7 @@
               </a:rPr>
               <a:t>自從耶穌進入我的生命</a:t>
             </a:r>
-            <a:endParaRPr lang="en-US" altLang="zh-TW" sz="5400" b="1" dirty="0" smtClean="0">
+            <a:endParaRPr lang="en-US" altLang="zh-TW" sz="4800" b="1" dirty="0">
               <a:solidFill>
                 <a:srgbClr val="660033"/>
               </a:solidFill>
@@ -3342,7 +3346,7 @@
               <a:buNone/>
             </a:pPr>
             <a:r>
-              <a:rPr lang="zh-TW" altLang="en-US" sz="5400" b="1" dirty="0" smtClean="0">
+              <a:rPr lang="zh-TW" altLang="en-US" sz="4800" b="1" dirty="0">
                 <a:solidFill>
                   <a:srgbClr val="660033"/>
                 </a:solidFill>
@@ -3351,7 +3355,7 @@
               </a:rPr>
               <a:t>心中眼睛被主愛開啟</a:t>
             </a:r>
-            <a:endParaRPr lang="en-US" altLang="zh-TW" sz="5400" b="1" dirty="0" smtClean="0">
+            <a:endParaRPr lang="en-US" altLang="zh-TW" sz="4800" b="1" dirty="0">
               <a:solidFill>
                 <a:srgbClr val="660033"/>
               </a:solidFill>
@@ -3364,7 +3368,7 @@
               <a:buNone/>
             </a:pPr>
             <a:r>
-              <a:rPr lang="zh-TW" altLang="en-US" sz="5400" b="1" dirty="0" smtClean="0">
+              <a:rPr lang="zh-TW" altLang="en-US" sz="4800" b="1" dirty="0">
                 <a:solidFill>
                   <a:srgbClr val="660033"/>
                 </a:solidFill>
@@ -3373,7 +3377,7 @@
               </a:rPr>
               <a:t>看見幸福的天地</a:t>
             </a:r>
-            <a:endParaRPr lang="en-US" altLang="zh-TW" sz="5400" b="1" dirty="0" smtClean="0">
+            <a:endParaRPr lang="en-US" altLang="zh-TW" sz="4800" b="1" dirty="0">
               <a:solidFill>
                 <a:srgbClr val="660033"/>
               </a:solidFill>
@@ -3386,26 +3390,16 @@
               <a:buNone/>
             </a:pPr>
             <a:r>
-              <a:rPr lang="zh-TW" altLang="en-US" sz="5400" b="1" dirty="0" smtClean="0">
+              <a:rPr lang="zh-TW" altLang="en-US" sz="4800" b="1" dirty="0">
                 <a:solidFill>
                   <a:srgbClr val="660033"/>
                 </a:solidFill>
                 <a:latin typeface="微軟正黑體" pitchFamily="34" charset="-120"/>
                 <a:ea typeface="微軟正黑體" pitchFamily="34" charset="-120"/>
               </a:rPr>
-              <a:t>就在我</a:t>
-            </a:r>
-            <a:r>
-              <a:rPr lang="zh-TW" altLang="en-US" sz="5400" b="1" dirty="0" smtClean="0">
-                <a:solidFill>
-                  <a:srgbClr val="660033"/>
-                </a:solidFill>
-                <a:latin typeface="微軟正黑體" pitchFamily="34" charset="-120"/>
-                <a:ea typeface="微軟正黑體" pitchFamily="34" charset="-120"/>
-              </a:rPr>
-              <a:t>心裡</a:t>
-            </a:r>
-            <a:endParaRPr lang="zh-TW" altLang="en-US" sz="5400" b="1" dirty="0">
+              <a:t>就在我心裡</a:t>
+            </a:r>
+            <a:endParaRPr lang="zh-TW" altLang="en-US" sz="4800" b="1" dirty="0">
               <a:solidFill>
                 <a:srgbClr val="660033"/>
               </a:solidFill>
@@ -3452,11 +3446,13 @@
         </p:nvSpPr>
         <p:spPr/>
         <p:txBody>
-          <a:bodyPr/>
-          <a:lstStyle/>
-          <a:p>
-            <a:r>
-              <a:rPr lang="zh-TW" altLang="en-US" b="1" dirty="0" smtClean="0">
+          <a:bodyPr>
+            <a:normAutofit/>
+          </a:bodyPr>
+          <a:lstStyle/>
+          <a:p>
+            <a:r>
+              <a:rPr lang="zh-TW" altLang="en-US" sz="4000" b="1" dirty="0">
                 <a:solidFill>
                   <a:srgbClr val="660033"/>
                 </a:solidFill>
@@ -3465,7 +3461,7 @@
               </a:rPr>
               <a:t>幸福</a:t>
             </a:r>
-            <a:endParaRPr lang="zh-TW" altLang="en-US" b="1" dirty="0">
+            <a:endParaRPr lang="zh-TW" altLang="en-US" sz="4000" b="1" dirty="0">
               <a:solidFill>
                 <a:srgbClr val="660033"/>
               </a:solidFill>
@@ -3496,7 +3492,7 @@
               <a:buNone/>
             </a:pPr>
             <a:r>
-              <a:rPr lang="zh-TW" altLang="en-US" sz="5400" b="1" dirty="0" smtClean="0">
+              <a:rPr lang="zh-TW" altLang="en-US" sz="4800" b="1" dirty="0">
                 <a:solidFill>
                   <a:srgbClr val="660033"/>
                 </a:solidFill>
@@ -3505,7 +3501,7 @@
               </a:rPr>
               <a:t>它並不是遙不可及</a:t>
             </a:r>
-            <a:endParaRPr lang="en-US" altLang="zh-TW" sz="5400" b="1" dirty="0" smtClean="0">
+            <a:endParaRPr lang="en-US" altLang="zh-TW" sz="4800" b="1" dirty="0">
               <a:solidFill>
                 <a:srgbClr val="660033"/>
               </a:solidFill>
@@ -3518,7 +3514,7 @@
               <a:buNone/>
             </a:pPr>
             <a:r>
-              <a:rPr lang="zh-TW" altLang="en-US" sz="5400" b="1" dirty="0" smtClean="0">
+              <a:rPr lang="zh-TW" altLang="en-US" sz="4800" b="1" dirty="0">
                 <a:solidFill>
                   <a:srgbClr val="660033"/>
                 </a:solidFill>
@@ -3527,7 +3523,7 @@
               </a:rPr>
               <a:t>也不需要完美主義</a:t>
             </a:r>
-            <a:endParaRPr lang="en-US" altLang="zh-TW" sz="5400" b="1" dirty="0" smtClean="0">
+            <a:endParaRPr lang="en-US" altLang="zh-TW" sz="4800" b="1" dirty="0">
               <a:solidFill>
                 <a:srgbClr val="660033"/>
               </a:solidFill>
@@ -3540,7 +3536,7 @@
               <a:buNone/>
             </a:pPr>
             <a:r>
-              <a:rPr lang="zh-TW" altLang="en-US" sz="5400" b="1" dirty="0" smtClean="0">
+              <a:rPr lang="zh-TW" altLang="en-US" sz="4800" b="1" dirty="0">
                 <a:solidFill>
                   <a:srgbClr val="660033"/>
                 </a:solidFill>
@@ -3549,7 +3545,7 @@
               </a:rPr>
               <a:t>它是真實而簡單地</a:t>
             </a:r>
-            <a:endParaRPr lang="en-US" altLang="zh-TW" sz="5400" b="1" dirty="0" smtClean="0">
+            <a:endParaRPr lang="en-US" altLang="zh-TW" sz="4800" b="1" dirty="0">
               <a:solidFill>
                 <a:srgbClr val="660033"/>
               </a:solidFill>
@@ -3562,7 +3558,7 @@
               <a:buNone/>
             </a:pPr>
             <a:r>
-              <a:rPr lang="zh-TW" altLang="en-US" sz="5400" b="1" dirty="0" smtClean="0">
+              <a:rPr lang="zh-TW" altLang="en-US" sz="4800" b="1" dirty="0">
                 <a:solidFill>
                   <a:srgbClr val="660033"/>
                 </a:solidFill>
@@ -3611,11 +3607,13 @@
         </p:nvSpPr>
         <p:spPr/>
         <p:txBody>
-          <a:bodyPr/>
-          <a:lstStyle/>
-          <a:p>
-            <a:r>
-              <a:rPr lang="zh-TW" altLang="en-US" b="1" dirty="0" smtClean="0">
+          <a:bodyPr>
+            <a:normAutofit/>
+          </a:bodyPr>
+          <a:lstStyle/>
+          <a:p>
+            <a:r>
+              <a:rPr lang="zh-TW" altLang="en-US" sz="4000" b="1" dirty="0">
                 <a:solidFill>
                   <a:srgbClr val="660033"/>
                 </a:solidFill>
@@ -3624,7 +3622,7 @@
               </a:rPr>
               <a:t>幸福</a:t>
             </a:r>
-            <a:endParaRPr lang="zh-TW" altLang="en-US" b="1" dirty="0">
+            <a:endParaRPr lang="zh-TW" altLang="en-US" sz="4000" b="1" dirty="0">
               <a:solidFill>
                 <a:srgbClr val="660033"/>
               </a:solidFill>
@@ -3655,7 +3653,7 @@
               <a:buNone/>
             </a:pPr>
             <a:r>
-              <a:rPr lang="zh-TW" altLang="en-US" sz="5400" b="1" dirty="0" smtClean="0">
+              <a:rPr lang="zh-TW" altLang="en-US" sz="4800" b="1" dirty="0">
                 <a:solidFill>
                   <a:srgbClr val="660033"/>
                 </a:solidFill>
@@ -3664,7 +3662,7 @@
               </a:rPr>
               <a:t>幸福是珍惜現在擁有的</a:t>
             </a:r>
-            <a:endParaRPr lang="en-US" altLang="zh-TW" sz="5400" b="1" dirty="0" smtClean="0">
+            <a:endParaRPr lang="en-US" altLang="zh-TW" sz="4800" b="1" dirty="0">
               <a:solidFill>
                 <a:srgbClr val="660033"/>
               </a:solidFill>
@@ -3677,7 +3675,7 @@
               <a:buNone/>
             </a:pPr>
             <a:r>
-              <a:rPr lang="zh-TW" altLang="en-US" sz="5400" b="1" dirty="0" smtClean="0">
+              <a:rPr lang="zh-TW" altLang="en-US" sz="4800" b="1" dirty="0">
                 <a:solidFill>
                   <a:srgbClr val="660033"/>
                 </a:solidFill>
@@ -3686,7 +3684,7 @@
               </a:rPr>
               <a:t>感謝上帝供應</a:t>
             </a:r>
-            <a:endParaRPr lang="en-US" altLang="zh-TW" sz="5400" b="1" dirty="0" smtClean="0">
+            <a:endParaRPr lang="en-US" altLang="zh-TW" sz="4800" b="1" dirty="0">
               <a:solidFill>
                 <a:srgbClr val="660033"/>
               </a:solidFill>
@@ -3699,7 +3697,7 @@
               <a:buNone/>
             </a:pPr>
             <a:r>
-              <a:rPr lang="zh-TW" altLang="en-US" sz="5400" b="1" dirty="0" smtClean="0">
+              <a:rPr lang="zh-TW" altLang="en-US" sz="4800" b="1" dirty="0">
                 <a:solidFill>
                   <a:srgbClr val="660033"/>
                 </a:solidFill>
@@ -3708,7 +3706,7 @@
               </a:rPr>
               <a:t>幸福是分享自己領受的</a:t>
             </a:r>
-            <a:endParaRPr lang="en-US" altLang="zh-TW" sz="5400" b="1" dirty="0" smtClean="0">
+            <a:endParaRPr lang="en-US" altLang="zh-TW" sz="4800" b="1" dirty="0">
               <a:solidFill>
                 <a:srgbClr val="660033"/>
               </a:solidFill>
@@ -3721,7 +3719,7 @@
               <a:buNone/>
             </a:pPr>
             <a:r>
-              <a:rPr lang="zh-TW" altLang="en-US" sz="5400" b="1" dirty="0" smtClean="0">
+              <a:rPr lang="zh-TW" altLang="en-US" sz="4800" b="1" dirty="0">
                 <a:solidFill>
                   <a:srgbClr val="660033"/>
                 </a:solidFill>
@@ -3770,11 +3768,13 @@
         </p:nvSpPr>
         <p:spPr/>
         <p:txBody>
-          <a:bodyPr/>
-          <a:lstStyle/>
-          <a:p>
-            <a:r>
-              <a:rPr lang="zh-TW" altLang="en-US" b="1" dirty="0" smtClean="0">
+          <a:bodyPr>
+            <a:normAutofit/>
+          </a:bodyPr>
+          <a:lstStyle/>
+          <a:p>
+            <a:r>
+              <a:rPr lang="zh-TW" altLang="en-US" sz="4000" b="1" dirty="0">
                 <a:solidFill>
                   <a:srgbClr val="660033"/>
                 </a:solidFill>
@@ -3783,7 +3783,7 @@
               </a:rPr>
               <a:t>幸福</a:t>
             </a:r>
-            <a:endParaRPr lang="zh-TW" altLang="en-US" b="1" dirty="0">
+            <a:endParaRPr lang="zh-TW" altLang="en-US" sz="4000" b="1" dirty="0">
               <a:solidFill>
                 <a:srgbClr val="660033"/>
               </a:solidFill>
@@ -3814,7 +3814,7 @@
               <a:buNone/>
             </a:pPr>
             <a:r>
-              <a:rPr lang="zh-TW" altLang="en-US" sz="5400" b="1" dirty="0" smtClean="0">
+              <a:rPr lang="zh-TW" altLang="en-US" sz="4800" b="1" dirty="0">
                 <a:solidFill>
                   <a:srgbClr val="660033"/>
                 </a:solidFill>
@@ -3823,7 +3823,7 @@
               </a:rPr>
               <a:t>幸福是相信聖經所寫的</a:t>
             </a:r>
-            <a:endParaRPr lang="en-US" altLang="zh-TW" sz="5400" b="1" dirty="0" smtClean="0">
+            <a:endParaRPr lang="en-US" altLang="zh-TW" sz="4800" b="1" dirty="0">
               <a:solidFill>
                 <a:srgbClr val="660033"/>
               </a:solidFill>
@@ -3836,7 +3836,7 @@
               <a:buNone/>
             </a:pPr>
             <a:r>
-              <a:rPr lang="zh-TW" altLang="en-US" sz="5400" b="1" dirty="0" smtClean="0">
+              <a:rPr lang="zh-TW" altLang="en-US" sz="4800" b="1" dirty="0">
                 <a:solidFill>
                   <a:srgbClr val="660033"/>
                 </a:solidFill>
@@ -3845,7 +3845,7 @@
               </a:rPr>
               <a:t>每句都是真理</a:t>
             </a:r>
-            <a:endParaRPr lang="en-US" altLang="zh-TW" sz="5400" b="1" dirty="0" smtClean="0">
+            <a:endParaRPr lang="en-US" altLang="zh-TW" sz="4800" b="1" dirty="0">
               <a:solidFill>
                 <a:srgbClr val="660033"/>
               </a:solidFill>
@@ -3858,7 +3858,7 @@
               <a:buNone/>
             </a:pPr>
             <a:r>
-              <a:rPr lang="zh-TW" altLang="en-US" sz="5400" b="1" dirty="0" smtClean="0">
+              <a:rPr lang="zh-TW" altLang="en-US" sz="4800" b="1" dirty="0">
                 <a:solidFill>
                   <a:srgbClr val="660033"/>
                 </a:solidFill>
@@ -3867,7 +3867,7 @@
               </a:rPr>
               <a:t>幸福是卸下重擔給上帝</a:t>
             </a:r>
-            <a:endParaRPr lang="en-US" altLang="zh-TW" sz="5400" b="1" dirty="0" smtClean="0">
+            <a:endParaRPr lang="en-US" altLang="zh-TW" sz="4800" b="1" dirty="0">
               <a:solidFill>
                 <a:srgbClr val="660033"/>
               </a:solidFill>
@@ -3880,7 +3880,7 @@
               <a:buNone/>
             </a:pPr>
             <a:r>
-              <a:rPr lang="zh-TW" altLang="en-US" sz="5400" b="1" dirty="0" smtClean="0">
+              <a:rPr lang="zh-TW" altLang="en-US" sz="4800" b="1" dirty="0">
                 <a:solidFill>
                   <a:srgbClr val="660033"/>
                 </a:solidFill>
